--- a/tomcat+oracle연결.pptx
+++ b/tomcat+oracle연결.pptx
@@ -3539,12 +3539,96 @@
           <a:chExt cx="0" cy="0"/>
         </a:xfrm>
       </p:grpSpPr>
+      <p:sp>
+        <p:nvSpPr>
+          <p:cNvPr id="3" name="내용 개체 틀 2"/>
+          <p:cNvSpPr>
+            <a:spLocks noGrp="1"/>
+          </p:cNvSpPr>
+          <p:nvPr>
+            <p:ph idx="1"/>
+          </p:nvPr>
+        </p:nvSpPr>
+        <p:spPr>
+          <a:xfrm>
+            <a:off x="725311" y="5572831"/>
+            <a:ext cx="10515600" cy="905052"/>
+          </a:xfrm>
+        </p:spPr>
+        <p:txBody>
+          <a:bodyPr>
+            <a:normAutofit lnSpcReduction="10000"/>
+          </a:bodyPr>
+          <a:lstStyle/>
+          <a:p>
+            <a:r>
+              <a:rPr lang="en-US" altLang="ko-KR" dirty="0"/>
+              <a:t>Module</a:t>
+            </a:r>
+            <a:r>
+              <a:rPr lang="ko-KR" altLang="en-US" dirty="0"/>
+              <a:t>에서 </a:t>
+            </a:r>
+            <a:r>
+              <a:rPr lang="en-US" altLang="ko-KR" dirty="0"/>
+              <a:t>edit</a:t>
+            </a:r>
+            <a:r>
+              <a:rPr lang="ko-KR" altLang="en-US" dirty="0"/>
+              <a:t>를 누러 </a:t>
+            </a:r>
+            <a:r>
+              <a:rPr lang="en-US" altLang="ko-KR" dirty="0"/>
+              <a:t>path</a:t>
+            </a:r>
+            <a:r>
+              <a:rPr lang="ko-KR" altLang="en-US" dirty="0"/>
+              <a:t>를 </a:t>
+            </a:r>
+            <a:r>
+              <a:rPr lang="en-US" altLang="ko-KR" dirty="0"/>
+              <a:t>/</a:t>
+            </a:r>
+            <a:r>
+              <a:rPr lang="ko-KR" altLang="en-US" dirty="0"/>
+              <a:t>만 남기고 </a:t>
+            </a:r>
+            <a:r>
+              <a:rPr lang="ko-KR" altLang="en-US" dirty="0" err="1"/>
+              <a:t>지워야됨</a:t>
+            </a:r>
+            <a:endParaRPr lang="en-US" altLang="ko-KR" dirty="0"/>
+          </a:p>
+          <a:p>
+            <a:pPr marL="0" indent="0">
+              <a:buNone/>
+            </a:pPr>
+            <a:r>
+              <a:rPr lang="en-US" altLang="ko-KR" dirty="0"/>
+              <a:t>(</a:t>
+            </a:r>
+            <a:r>
+              <a:rPr lang="ko-KR" altLang="en-US" dirty="0" err="1"/>
+              <a:t>안뜨면</a:t>
+            </a:r>
+            <a:r>
+              <a:rPr lang="ko-KR" altLang="en-US"/>
+              <a:t> 나중에 만들다가 실행해보면 생김</a:t>
+            </a:r>
+            <a:r>
+              <a:rPr lang="en-US" altLang="ko-KR"/>
+              <a:t>)</a:t>
+            </a:r>
+            <a:endParaRPr lang="ko-KR" altLang="en-US" dirty="0"/>
+          </a:p>
+        </p:txBody>
+      </p:sp>
       <p:pic>
         <p:nvPicPr>
-          <p:cNvPr id="5" name="그림 4">
+          <p:cNvPr id="4" name="그림 3">
             <a:extLst>
               <a:ext uri="{FF2B5EF4-FFF2-40B4-BE49-F238E27FC236}">
-                <a16:creationId xmlns:a16="http://schemas.microsoft.com/office/drawing/2014/main" id="{AE52DE8A-4559-B579-C8E5-01A297B5DEF3}"/>
+                <a16:creationId xmlns:a16="http://schemas.microsoft.com/office/drawing/2014/main" id="{F2122EB4-FF9D-B047-301D-F887A845F379}"/>
               </a:ext>
             </a:extLst>
           </p:cNvPr>
@@ -3561,82 +3645,14 @@
         </p:blipFill>
         <p:spPr>
           <a:xfrm>
-            <a:off x="346075" y="198437"/>
-            <a:ext cx="10077450" cy="5648325"/>
+            <a:off x="90663" y="19756"/>
+            <a:ext cx="10001250" cy="5553075"/>
           </a:xfrm>
           <a:prstGeom prst="rect">
             <a:avLst/>
           </a:prstGeom>
         </p:spPr>
       </p:pic>
-      <p:sp>
-        <p:nvSpPr>
-          <p:cNvPr id="3" name="내용 개체 틀 2"/>
-          <p:cNvSpPr>
-            <a:spLocks noGrp="1"/>
-          </p:cNvSpPr>
-          <p:nvPr>
-            <p:ph idx="1"/>
-          </p:nvPr>
-        </p:nvSpPr>
-        <p:spPr>
-          <a:xfrm>
-            <a:off x="838200" y="5394236"/>
-            <a:ext cx="10515600" cy="905052"/>
-          </a:xfrm>
-        </p:spPr>
-        <p:txBody>
-          <a:bodyPr/>
-          <a:lstStyle/>
-          <a:p>
-            <a:r>
-              <a:rPr lang="en-US" altLang="ko-KR" dirty="0"/>
-              <a:t>Module</a:t>
-            </a:r>
-            <a:r>
-              <a:rPr lang="ko-KR" altLang="en-US" dirty="0"/>
-              <a:t>에서 </a:t>
-            </a:r>
-            <a:r>
-              <a:rPr lang="en-US" altLang="ko-KR" dirty="0"/>
-              <a:t>path</a:t>
-            </a:r>
-            <a:r>
-              <a:rPr lang="ko-KR" altLang="en-US" dirty="0"/>
-              <a:t>를 </a:t>
-            </a:r>
-            <a:r>
-              <a:rPr lang="en-US" altLang="ko-KR" dirty="0"/>
-              <a:t>:/</a:t>
-            </a:r>
-            <a:r>
-              <a:rPr lang="ko-KR" altLang="en-US" dirty="0"/>
-              <a:t>만 남기고 </a:t>
-            </a:r>
-            <a:r>
-              <a:rPr lang="ko-KR" altLang="en-US" dirty="0" err="1"/>
-              <a:t>지워야됨</a:t>
-            </a:r>
-            <a:r>
-              <a:rPr lang="en-US" altLang="ko-KR" dirty="0"/>
-              <a:t>(</a:t>
-            </a:r>
-            <a:r>
-              <a:rPr lang="ko-KR" altLang="en-US" dirty="0"/>
-              <a:t>지금은 없지만 나중에 바꿔줘야 경로 오류 </a:t>
-            </a:r>
-            <a:r>
-              <a:rPr lang="ko-KR" altLang="en-US" dirty="0" err="1"/>
-              <a:t>안일으킴</a:t>
-            </a:r>
-            <a:r>
-              <a:rPr lang="en-US" altLang="ko-KR" dirty="0"/>
-              <a:t>)</a:t>
-            </a:r>
-            <a:endParaRPr lang="ko-KR" altLang="en-US" dirty="0"/>
-          </a:p>
-        </p:txBody>
-      </p:sp>
     </p:spTree>
     <p:extLst>
       <p:ext uri="{BB962C8B-B14F-4D97-AF65-F5344CB8AC3E}">
